--- a/Docs/Prism 6.pptx
+++ b/Docs/Prism 6.pptx
@@ -11,6 +11,7 @@
     <p:sldId id="259" r:id="rId5"/>
     <p:sldId id="260" r:id="rId6"/>
     <p:sldId id="261" r:id="rId7"/>
+    <p:sldId id="262" r:id="rId8"/>
   </p:sldIdLst>
   <p:sldSz cx="12192000" cy="6858000"/>
   <p:notesSz cx="6858000" cy="9144000"/>
@@ -3790,7 +3791,7 @@
           <a:p>
             <a:r>
               <a:rPr lang="en-CA" dirty="0" smtClean="0"/>
-              <a:t>Event Aggregation or Messaging</a:t>
+              <a:t>Event Aggregation (Messaging)</a:t>
             </a:r>
             <a:endParaRPr lang="en-US" dirty="0"/>
           </a:p>
@@ -4028,6 +4029,201 @@
     <p:extLst>
       <p:ext uri="{BB962C8B-B14F-4D97-AF65-F5344CB8AC3E}">
         <p14:creationId xmlns:p14="http://schemas.microsoft.com/office/powerpoint/2010/main" val="508230755"/>
+      </p:ext>
+    </p:extLst>
+  </p:cSld>
+  <p:clrMapOvr>
+    <a:masterClrMapping/>
+  </p:clrMapOvr>
+  <p:timing>
+    <p:tnLst>
+      <p:par>
+        <p:cTn id="1" dur="indefinite" restart="never" nodeType="tmRoot"/>
+      </p:par>
+    </p:tnLst>
+  </p:timing>
+</p:sld>
+</file>
+
+<file path=ppt/slides/slide7.xml><?xml version="1.0" encoding="utf-8"?>
+<p:sld xmlns:a="http://schemas.openxmlformats.org/drawingml/2006/main" xmlns:r="http://schemas.openxmlformats.org/officeDocument/2006/relationships" xmlns:p="http://schemas.openxmlformats.org/presentationml/2006/main">
+  <p:cSld>
+    <p:spTree>
+      <p:nvGrpSpPr>
+        <p:cNvPr id="1" name=""/>
+        <p:cNvGrpSpPr/>
+        <p:nvPr/>
+      </p:nvGrpSpPr>
+      <p:grpSpPr>
+        <a:xfrm>
+          <a:off x="0" y="0"/>
+          <a:ext cx="0" cy="0"/>
+          <a:chOff x="0" y="0"/>
+          <a:chExt cx="0" cy="0"/>
+        </a:xfrm>
+      </p:grpSpPr>
+      <p:sp>
+        <p:nvSpPr>
+          <p:cNvPr id="2" name="Title 1"/>
+          <p:cNvSpPr>
+            <a:spLocks noGrp="1"/>
+          </p:cNvSpPr>
+          <p:nvPr>
+            <p:ph type="title"/>
+          </p:nvPr>
+        </p:nvSpPr>
+        <p:spPr/>
+        <p:txBody>
+          <a:bodyPr/>
+          <a:lstStyle/>
+          <a:p>
+            <a:r>
+              <a:rPr lang="en-CA" dirty="0" smtClean="0"/>
+              <a:t>The sample app</a:t>
+            </a:r>
+            <a:endParaRPr lang="en-US" dirty="0"/>
+          </a:p>
+        </p:txBody>
+      </p:sp>
+      <p:sp>
+        <p:nvSpPr>
+          <p:cNvPr id="3" name="TextBox 2"/>
+          <p:cNvSpPr txBox="1"/>
+          <p:nvPr/>
+        </p:nvSpPr>
+        <p:spPr>
+          <a:xfrm>
+            <a:off x="961778" y="1724568"/>
+            <a:ext cx="10392022" cy="3139321"/>
+          </a:xfrm>
+          <a:prstGeom prst="rect">
+            <a:avLst/>
+          </a:prstGeom>
+          <a:noFill/>
+        </p:spPr>
+        <p:txBody>
+          <a:bodyPr wrap="square" rtlCol="0">
+            <a:spAutoFit/>
+          </a:bodyPr>
+          <a:lstStyle/>
+          <a:p>
+            <a:pPr marL="285750" indent="-285750">
+              <a:buFont typeface="Arial" panose="020B0604020202020204" pitchFamily="34" charset="0"/>
+              <a:buChar char="•"/>
+            </a:pPr>
+            <a:r>
+              <a:rPr lang="en-CA" dirty="0" smtClean="0"/>
+              <a:t>Simple to-do app</a:t>
+            </a:r>
+          </a:p>
+          <a:p>
+            <a:pPr marL="285750" indent="-285750">
+              <a:buFont typeface="Arial" panose="020B0604020202020204" pitchFamily="34" charset="0"/>
+              <a:buChar char="•"/>
+            </a:pPr>
+            <a:r>
+              <a:rPr lang="en-CA" dirty="0" smtClean="0"/>
+              <a:t>Convert a UWP template app into a prism app</a:t>
+            </a:r>
+          </a:p>
+          <a:p>
+            <a:pPr marL="285750" indent="-285750">
+              <a:buFont typeface="Arial" panose="020B0604020202020204" pitchFamily="34" charset="0"/>
+              <a:buChar char="•"/>
+            </a:pPr>
+            <a:r>
+              <a:rPr lang="en-CA" dirty="0" smtClean="0"/>
+              <a:t>Show how navigation works</a:t>
+            </a:r>
+          </a:p>
+          <a:p>
+            <a:pPr marL="285750" indent="-285750">
+              <a:buFont typeface="Arial" panose="020B0604020202020204" pitchFamily="34" charset="0"/>
+              <a:buChar char="•"/>
+            </a:pPr>
+            <a:r>
+              <a:rPr lang="en-CA" dirty="0" smtClean="0"/>
+              <a:t>Implement a view model</a:t>
+            </a:r>
+          </a:p>
+          <a:p>
+            <a:pPr marL="285750" indent="-285750">
+              <a:buFont typeface="Arial" panose="020B0604020202020204" pitchFamily="34" charset="0"/>
+              <a:buChar char="•"/>
+            </a:pPr>
+            <a:r>
+              <a:rPr lang="en-CA" dirty="0" smtClean="0"/>
+              <a:t>Implement a hamburger menu system</a:t>
+            </a:r>
+          </a:p>
+          <a:p>
+            <a:pPr marL="285750" indent="-285750">
+              <a:buFont typeface="Arial" panose="020B0604020202020204" pitchFamily="34" charset="0"/>
+              <a:buChar char="•"/>
+            </a:pPr>
+            <a:r>
+              <a:rPr lang="en-CA" dirty="0" smtClean="0"/>
+              <a:t>Round out navigation</a:t>
+            </a:r>
+          </a:p>
+          <a:p>
+            <a:pPr marL="285750" indent="-285750">
+              <a:buFont typeface="Arial" panose="020B0604020202020204" pitchFamily="34" charset="0"/>
+              <a:buChar char="•"/>
+            </a:pPr>
+            <a:r>
+              <a:rPr lang="en-CA" dirty="0" smtClean="0"/>
+              <a:t>Add app functionality (list, add, delete, edit)</a:t>
+            </a:r>
+          </a:p>
+          <a:p>
+            <a:pPr marL="285750" indent="-285750">
+              <a:buFont typeface="Arial" panose="020B0604020202020204" pitchFamily="34" charset="0"/>
+              <a:buChar char="•"/>
+            </a:pPr>
+            <a:r>
+              <a:rPr lang="en-CA" dirty="0" smtClean="0"/>
+              <a:t>More app functionality in Initialize and suspending</a:t>
+            </a:r>
+          </a:p>
+          <a:p>
+            <a:pPr marL="285750" indent="-285750">
+              <a:buFont typeface="Arial" panose="020B0604020202020204" pitchFamily="34" charset="0"/>
+              <a:buChar char="•"/>
+            </a:pPr>
+            <a:r>
+              <a:rPr lang="en-CA" dirty="0" smtClean="0"/>
+              <a:t>Session state</a:t>
+            </a:r>
+          </a:p>
+          <a:p>
+            <a:pPr marL="285750" indent="-285750">
+              <a:buFont typeface="Arial" panose="020B0604020202020204" pitchFamily="34" charset="0"/>
+              <a:buChar char="•"/>
+            </a:pPr>
+            <a:r>
+              <a:rPr lang="en-CA" dirty="0" smtClean="0"/>
+              <a:t>Finally </a:t>
+            </a:r>
+            <a:r>
+              <a:rPr lang="en-CA" smtClean="0"/>
+              <a:t>custom navigation</a:t>
+            </a:r>
+            <a:endParaRPr lang="en-CA" dirty="0" smtClean="0"/>
+          </a:p>
+          <a:p>
+            <a:pPr marL="285750" indent="-285750">
+              <a:buFont typeface="Arial" panose="020B0604020202020204" pitchFamily="34" charset="0"/>
+              <a:buChar char="•"/>
+            </a:pPr>
+            <a:endParaRPr lang="en-US" dirty="0"/>
+          </a:p>
+        </p:txBody>
+      </p:sp>
+    </p:spTree>
+    <p:extLst>
+      <p:ext uri="{BB962C8B-B14F-4D97-AF65-F5344CB8AC3E}">
+        <p14:creationId xmlns:p14="http://schemas.microsoft.com/office/powerpoint/2010/main" val="2314510385"/>
       </p:ext>
     </p:extLst>
   </p:cSld>
